--- a/專題資料夾/停車場車牌辨識系統.pptx
+++ b/專題資料夾/停車場車牌辨識系統.pptx
@@ -12375,11 +12375,13 @@
         </p:nvSpPr>
         <p:spPr/>
         <p:txBody>
-          <a:bodyPr/>
+          <a:bodyPr>
+            <a:normAutofit/>
+          </a:bodyPr>
           <a:lstStyle/>
           <a:p>
             <a:r>
-              <a:rPr lang="zh-TW" altLang="en-US" dirty="0">
+              <a:rPr lang="zh-TW" altLang="en-US" sz="6000" dirty="0">
                 <a:latin typeface="標楷體" panose="03000509000000000000" pitchFamily="65" charset="-120"/>
                 <a:ea typeface="標楷體" panose="03000509000000000000" pitchFamily="65" charset="-120"/>
               </a:rPr>
@@ -12404,10 +12406,15 @@
             <p:ph type="subTitle" idx="1"/>
           </p:nvPr>
         </p:nvSpPr>
-        <p:spPr/>
+        <p:spPr>
+          <a:xfrm>
+            <a:off x="1876424" y="3602037"/>
+            <a:ext cx="8791575" cy="2968579"/>
+          </a:xfrm>
+        </p:spPr>
         <p:txBody>
           <a:bodyPr>
-            <a:normAutofit fontScale="92500" lnSpcReduction="20000"/>
+            <a:normAutofit/>
           </a:bodyPr>
           <a:lstStyle/>
           <a:p>
@@ -12457,7 +12464,34 @@
                 <a:latin typeface="標楷體" panose="03000509000000000000" pitchFamily="65" charset="-120"/>
                 <a:ea typeface="標楷體" panose="03000509000000000000" pitchFamily="65" charset="-120"/>
               </a:rPr>
-              <a:t>夜電子三甲</a:t>
+              <a:t>夜電子三</a:t>
+            </a:r>
+            <a:r>
+              <a:rPr lang="zh-TW" altLang="en-US" dirty="0" smtClean="0">
+                <a:latin typeface="標楷體" panose="03000509000000000000" pitchFamily="65" charset="-120"/>
+                <a:ea typeface="標楷體" panose="03000509000000000000" pitchFamily="65" charset="-120"/>
+              </a:rPr>
+              <a:t>甲</a:t>
+            </a:r>
+            <a:endParaRPr lang="en-US" altLang="zh-TW" dirty="0" smtClean="0">
+              <a:latin typeface="標楷體" panose="03000509000000000000" pitchFamily="65" charset="-120"/>
+              <a:ea typeface="標楷體" panose="03000509000000000000" pitchFamily="65" charset="-120"/>
+            </a:endParaRPr>
+          </a:p>
+          <a:p>
+            <a:r>
+              <a:rPr lang="zh-TW" altLang="en-US" dirty="0" smtClean="0">
+                <a:latin typeface="標楷體" panose="03000509000000000000" pitchFamily="65" charset="-120"/>
+                <a:ea typeface="標楷體" panose="03000509000000000000" pitchFamily="65" charset="-120"/>
+              </a:rPr>
+              <a:t>報告日期</a:t>
+            </a:r>
+            <a:r>
+              <a:rPr lang="en-US" altLang="zh-TW" dirty="0" smtClean="0">
+                <a:latin typeface="標楷體" panose="03000509000000000000" pitchFamily="65" charset="-120"/>
+                <a:ea typeface="標楷體" panose="03000509000000000000" pitchFamily="65" charset="-120"/>
+              </a:rPr>
+              <a:t>:108/4/30</a:t>
             </a:r>
             <a:endParaRPr lang="en-US" altLang="zh-TW" dirty="0">
               <a:latin typeface="標楷體" panose="03000509000000000000" pitchFamily="65" charset="-120"/>
@@ -12473,18 +12507,60 @@
               <a:t>製作學生</a:t>
             </a:r>
             <a:r>
-              <a:rPr lang="en-US" altLang="zh-TW" dirty="0">
+              <a:rPr lang="en-US" altLang="zh-TW" dirty="0" smtClean="0">
                 <a:latin typeface="標楷體" panose="03000509000000000000" pitchFamily="65" charset="-120"/>
                 <a:ea typeface="標楷體" panose="03000509000000000000" pitchFamily="65" charset="-120"/>
               </a:rPr>
-              <a:t>:</a:t>
+              <a:t>: </a:t>
+            </a:r>
+            <a:r>
+              <a:rPr lang="zh-TW" altLang="en-US" dirty="0" smtClean="0">
+                <a:latin typeface="標楷體" panose="03000509000000000000" pitchFamily="65" charset="-120"/>
+                <a:ea typeface="標楷體" panose="03000509000000000000" pitchFamily="65" charset="-120"/>
+              </a:rPr>
+              <a:t>曾</a:t>
             </a:r>
             <a:r>
               <a:rPr lang="zh-TW" altLang="en-US" dirty="0">
                 <a:latin typeface="標楷體" panose="03000509000000000000" pitchFamily="65" charset="-120"/>
                 <a:ea typeface="標楷體" panose="03000509000000000000" pitchFamily="65" charset="-120"/>
               </a:rPr>
-              <a:t>    曾品鈞   、    陳岳鋒  、   楊岡穎 、 蔡佳展</a:t>
+              <a:t>品</a:t>
+            </a:r>
+            <a:r>
+              <a:rPr lang="zh-TW" altLang="en-US" dirty="0" smtClean="0">
+                <a:latin typeface="標楷體" panose="03000509000000000000" pitchFamily="65" charset="-120"/>
+                <a:ea typeface="標楷體" panose="03000509000000000000" pitchFamily="65" charset="-120"/>
+              </a:rPr>
+              <a:t>鈞 、 陳</a:t>
+            </a:r>
+            <a:r>
+              <a:rPr lang="zh-TW" altLang="en-US" dirty="0">
+                <a:latin typeface="標楷體" panose="03000509000000000000" pitchFamily="65" charset="-120"/>
+                <a:ea typeface="標楷體" panose="03000509000000000000" pitchFamily="65" charset="-120"/>
+              </a:rPr>
+              <a:t>岳鋒 </a:t>
+            </a:r>
+            <a:r>
+              <a:rPr lang="zh-TW" altLang="en-US" dirty="0" smtClean="0">
+                <a:latin typeface="標楷體" panose="03000509000000000000" pitchFamily="65" charset="-120"/>
+                <a:ea typeface="標楷體" panose="03000509000000000000" pitchFamily="65" charset="-120"/>
+              </a:rPr>
+              <a:t>、 楊</a:t>
+            </a:r>
+            <a:r>
+              <a:rPr lang="zh-TW" altLang="en-US" dirty="0">
+                <a:latin typeface="標楷體" panose="03000509000000000000" pitchFamily="65" charset="-120"/>
+                <a:ea typeface="標楷體" panose="03000509000000000000" pitchFamily="65" charset="-120"/>
+              </a:rPr>
+              <a:t>岡穎 </a:t>
+            </a:r>
+            <a:r>
+              <a:rPr lang="zh-TW" altLang="en-US" dirty="0" smtClean="0">
+                <a:latin typeface="標楷體" panose="03000509000000000000" pitchFamily="65" charset="-120"/>
+                <a:ea typeface="標楷體" panose="03000509000000000000" pitchFamily="65" charset="-120"/>
+              </a:rPr>
+              <a:t>、 蔡佳展</a:t>
             </a:r>
             <a:endParaRPr lang="en-US" altLang="zh-TW" dirty="0">
               <a:latin typeface="標楷體" panose="03000509000000000000" pitchFamily="65" charset="-120"/>
@@ -12504,64 +12580,68 @@
                 <a:latin typeface="標楷體" panose="03000509000000000000" pitchFamily="65" charset="-120"/>
                 <a:ea typeface="標楷體" panose="03000509000000000000" pitchFamily="65" charset="-120"/>
               </a:rPr>
-              <a:t>   </a:t>
-            </a:r>
-            <a:r>
-              <a:rPr lang="en-US" altLang="zh-TW" dirty="0">
+              <a:t>  </a:t>
+            </a:r>
+            <a:r>
+              <a:rPr lang="en-US" altLang="zh-TW" dirty="0" smtClean="0">
                 <a:latin typeface="標楷體" panose="03000509000000000000" pitchFamily="65" charset="-120"/>
                 <a:ea typeface="標楷體" panose="03000509000000000000" pitchFamily="65" charset="-120"/>
               </a:rPr>
               <a:t>40540411</a:t>
             </a:r>
             <a:r>
-              <a:rPr lang="zh-TW" altLang="en-US" dirty="0">
+              <a:rPr lang="zh-TW" altLang="en-US" dirty="0" smtClean="0">
                 <a:latin typeface="標楷體" panose="03000509000000000000" pitchFamily="65" charset="-120"/>
                 <a:ea typeface="標楷體" panose="03000509000000000000" pitchFamily="65" charset="-120"/>
               </a:rPr>
-              <a:t>、 </a:t>
-            </a:r>
-            <a:r>
-              <a:rPr lang="en-US" altLang="zh-TW" dirty="0">
+              <a:t>、</a:t>
+            </a:r>
+            <a:r>
+              <a:rPr lang="en-US" altLang="zh-TW" dirty="0" smtClean="0">
                 <a:latin typeface="標楷體" panose="03000509000000000000" pitchFamily="65" charset="-120"/>
                 <a:ea typeface="標楷體" panose="03000509000000000000" pitchFamily="65" charset="-120"/>
               </a:rPr>
               <a:t>40540415</a:t>
             </a:r>
             <a:r>
-              <a:rPr lang="zh-TW" altLang="en-US" dirty="0">
+              <a:rPr lang="zh-TW" altLang="en-US" dirty="0" smtClean="0">
                 <a:latin typeface="標楷體" panose="03000509000000000000" pitchFamily="65" charset="-120"/>
                 <a:ea typeface="標楷體" panose="03000509000000000000" pitchFamily="65" charset="-120"/>
               </a:rPr>
               <a:t>、</a:t>
             </a:r>
             <a:r>
-              <a:rPr lang="en-US" altLang="zh-TW" dirty="0">
+              <a:rPr lang="en-US" altLang="zh-TW" dirty="0" smtClean="0">
                 <a:latin typeface="標楷體" panose="03000509000000000000" pitchFamily="65" charset="-120"/>
                 <a:ea typeface="標楷體" panose="03000509000000000000" pitchFamily="65" charset="-120"/>
               </a:rPr>
               <a:t>40540419</a:t>
             </a:r>
             <a:r>
-              <a:rPr lang="zh-TW" altLang="en-US" dirty="0">
+              <a:rPr lang="zh-TW" altLang="en-US" dirty="0" smtClean="0">
                 <a:latin typeface="標楷體" panose="03000509000000000000" pitchFamily="65" charset="-120"/>
                 <a:ea typeface="標楷體" panose="03000509000000000000" pitchFamily="65" charset="-120"/>
               </a:rPr>
               <a:t>、</a:t>
             </a:r>
             <a:r>
-              <a:rPr lang="en-US" altLang="zh-TW" dirty="0">
+              <a:rPr lang="en-US" altLang="zh-TW" dirty="0" smtClean="0">
                 <a:latin typeface="標楷體" panose="03000509000000000000" pitchFamily="65" charset="-120"/>
                 <a:ea typeface="標楷體" panose="03000509000000000000" pitchFamily="65" charset="-120"/>
               </a:rPr>
               <a:t>40540425</a:t>
             </a:r>
             <a:r>
-              <a:rPr lang="zh-TW" altLang="en-US" dirty="0">
+              <a:rPr lang="zh-TW" altLang="en-US" dirty="0" smtClean="0">
                 <a:latin typeface="標楷體" panose="03000509000000000000" pitchFamily="65" charset="-120"/>
                 <a:ea typeface="標楷體" panose="03000509000000000000" pitchFamily="65" charset="-120"/>
               </a:rPr>
               <a:t> </a:t>
             </a:r>
+            <a:endParaRPr lang="zh-TW" altLang="en-US" dirty="0">
+              <a:latin typeface="標楷體" panose="03000509000000000000" pitchFamily="65" charset="-120"/>
+              <a:ea typeface="標楷體" panose="03000509000000000000" pitchFamily="65" charset="-120"/>
+            </a:endParaRPr>
           </a:p>
         </p:txBody>
       </p:sp>
@@ -12865,6 +12945,13 @@
               </a:rPr>
               <a:t>車牌辨識系統</a:t>
             </a:r>
+            <a:r>
+              <a:rPr lang="en-US" altLang="zh-TW" dirty="0">
+                <a:latin typeface="標楷體" panose="03000509000000000000" pitchFamily="65" charset="-120"/>
+                <a:ea typeface="標楷體" panose="03000509000000000000" pitchFamily="65" charset="-120"/>
+              </a:rPr>
+              <a:t/>
+            </a:r>
             <a:br>
               <a:rPr lang="en-US" altLang="zh-TW" dirty="0">
                 <a:latin typeface="標楷體" panose="03000509000000000000" pitchFamily="65" charset="-120"/>
@@ -12963,45 +13050,29 @@
               </a:rPr>
               <a:t>辨識車牌攝影機</a:t>
             </a:r>
+            <a:r>
+              <a:rPr lang="en-US" altLang="zh-TW" dirty="0">
+                <a:latin typeface="標楷體" panose="03000509000000000000" pitchFamily="65" charset="-120"/>
+                <a:ea typeface="標楷體" panose="03000509000000000000" pitchFamily="65" charset="-120"/>
+              </a:rPr>
+              <a:t/>
+            </a:r>
             <a:br>
               <a:rPr lang="en-US" altLang="zh-TW" dirty="0">
                 <a:latin typeface="標楷體" panose="03000509000000000000" pitchFamily="65" charset="-120"/>
                 <a:ea typeface="標楷體" panose="03000509000000000000" pitchFamily="65" charset="-120"/>
               </a:rPr>
             </a:br>
-            <a:r>
-              <a:rPr lang="zh-TW" altLang="en-US" dirty="0">
-                <a:latin typeface="標楷體" panose="03000509000000000000" pitchFamily="65" charset="-120"/>
-                <a:ea typeface="標楷體" panose="03000509000000000000" pitchFamily="65" charset="-120"/>
-              </a:rPr>
-              <a:t>紅色叉號示意圖</a:t>
-            </a:r>
-            <a:r>
-              <a:rPr lang="en-US" altLang="zh-TW" dirty="0">
-                <a:latin typeface="標楷體" panose="03000509000000000000" pitchFamily="65" charset="-120"/>
-                <a:ea typeface="標楷體" panose="03000509000000000000" pitchFamily="65" charset="-120"/>
-              </a:rPr>
-              <a:t>:</a:t>
-            </a:r>
-            <a:r>
-              <a:rPr lang="zh-TW" altLang="en-US" dirty="0">
-                <a:latin typeface="標楷體" panose="03000509000000000000" pitchFamily="65" charset="-120"/>
-                <a:ea typeface="標楷體" panose="03000509000000000000" pitchFamily="65" charset="-120"/>
-              </a:rPr>
-              <a:t>辨識車種攝影機</a:t>
-            </a:r>
+            <a:endParaRPr lang="zh-TW" altLang="en-US" dirty="0">
+              <a:latin typeface="標楷體" panose="03000509000000000000" pitchFamily="65" charset="-120"/>
+              <a:ea typeface="標楷體" panose="03000509000000000000" pitchFamily="65" charset="-120"/>
+            </a:endParaRPr>
           </a:p>
         </p:txBody>
       </p:sp>
       <p:pic>
         <p:nvPicPr>
-          <p:cNvPr id="10" name="內容版面配置區 9">
-            <a:extLst>
-              <a:ext uri="{FF2B5EF4-FFF2-40B4-BE49-F238E27FC236}">
-                <a16:creationId xmlns:a16="http://schemas.microsoft.com/office/drawing/2014/main" id="{CF1BDD10-D756-4554-A086-D82F44687430}"/>
-              </a:ext>
-            </a:extLst>
-          </p:cNvPr>
+          <p:cNvPr id="5" name="內容版面配置區 4"/>
           <p:cNvPicPr>
             <a:picLocks noGrp="1" noChangeAspect="1"/>
           </p:cNvPicPr>
@@ -13010,15 +13081,21 @@
           </p:nvPr>
         </p:nvPicPr>
         <p:blipFill>
-          <a:blip r:embed="rId2"/>
+          <a:blip r:embed="rId2">
+            <a:extLst>
+              <a:ext uri="{28A0092B-C50C-407E-A947-70E740481C1C}">
+                <a14:useLocalDpi xmlns:a14="http://schemas.microsoft.com/office/drawing/2010/main" val="0"/>
+              </a:ext>
+            </a:extLst>
+          </a:blip>
           <a:stretch>
             <a:fillRect/>
           </a:stretch>
         </p:blipFill>
         <p:spPr>
           <a:xfrm>
-            <a:off x="5156200" y="708491"/>
-            <a:ext cx="5891213" cy="4966355"/>
+            <a:off x="5156200" y="706504"/>
+            <a:ext cx="5891213" cy="4970329"/>
           </a:xfrm>
         </p:spPr>
       </p:pic>
@@ -13114,13 +13191,7 @@
       </p:pic>
       <p:pic>
         <p:nvPicPr>
-          <p:cNvPr id="6" name="內容版面配置區 5">
-            <a:extLst>
-              <a:ext uri="{FF2B5EF4-FFF2-40B4-BE49-F238E27FC236}">
-                <a16:creationId xmlns:a16="http://schemas.microsoft.com/office/drawing/2014/main" id="{C3BB87A1-41CC-4529-8418-C21604E8CEC0}"/>
-              </a:ext>
-            </a:extLst>
-          </p:cNvPr>
+          <p:cNvPr id="4" name="內容版面配置區 3"/>
           <p:cNvPicPr>
             <a:picLocks noGrp="1" noChangeAspect="1"/>
           </p:cNvPicPr>
@@ -13129,15 +13200,21 @@
           </p:nvPr>
         </p:nvPicPr>
         <p:blipFill>
-          <a:blip r:embed="rId3"/>
+          <a:blip r:embed="rId3">
+            <a:extLst>
+              <a:ext uri="{28A0092B-C50C-407E-A947-70E740481C1C}">
+                <a14:useLocalDpi xmlns:a14="http://schemas.microsoft.com/office/drawing/2010/main" val="0"/>
+              </a:ext>
+            </a:extLst>
+          </a:blip>
           <a:stretch>
             <a:fillRect/>
           </a:stretch>
         </p:blipFill>
         <p:spPr>
           <a:xfrm>
-            <a:off x="6172200" y="2334566"/>
-            <a:ext cx="4875213" cy="3371555"/>
+            <a:off x="6174454" y="2334800"/>
+            <a:ext cx="4870704" cy="3371088"/>
           </a:xfrm>
         </p:spPr>
       </p:pic>
@@ -13562,6 +13639,13 @@
                 <a:ea typeface="標楷體" panose="03000509000000000000" pitchFamily="65" charset="-120"/>
               </a:rPr>
               <a:t>車牌辨識步驟</a:t>
+            </a:r>
+            <a:r>
+              <a:rPr lang="en-US" altLang="zh-TW" dirty="0">
+                <a:latin typeface="標楷體" panose="03000509000000000000" pitchFamily="65" charset="-120"/>
+                <a:ea typeface="標楷體" panose="03000509000000000000" pitchFamily="65" charset="-120"/>
+              </a:rPr>
+              <a:t/>
             </a:r>
             <a:br>
               <a:rPr lang="en-US" altLang="zh-TW" dirty="0">
@@ -13858,11 +13942,13 @@
         </p:nvSpPr>
         <p:spPr/>
         <p:txBody>
-          <a:bodyPr/>
+          <a:bodyPr>
+            <a:normAutofit/>
+          </a:bodyPr>
           <a:lstStyle/>
           <a:p>
             <a:r>
-              <a:rPr lang="zh-TW" altLang="en-US" dirty="0">
+              <a:rPr lang="zh-TW" altLang="en-US" sz="4800" dirty="0">
                 <a:latin typeface="標楷體" panose="03000509000000000000" pitchFamily="65" charset="-120"/>
                 <a:ea typeface="標楷體" panose="03000509000000000000" pitchFamily="65" charset="-120"/>
               </a:rPr>
@@ -14068,11 +14154,13 @@
         </p:nvSpPr>
         <p:spPr/>
         <p:txBody>
-          <a:bodyPr/>
+          <a:bodyPr>
+            <a:normAutofit/>
+          </a:bodyPr>
           <a:lstStyle/>
           <a:p>
             <a:r>
-              <a:rPr lang="zh-TW" altLang="en-US" dirty="0">
+              <a:rPr lang="zh-TW" altLang="en-US" sz="4800" dirty="0">
                 <a:latin typeface="標楷體" panose="03000509000000000000" pitchFamily="65" charset="-120"/>
                 <a:ea typeface="標楷體" panose="03000509000000000000" pitchFamily="65" charset="-120"/>
               </a:rPr>
@@ -14182,10 +14270,15 @@
             <a:spLocks noGrp="1"/>
           </p:cNvSpPr>
           <p:nvPr>
-            <p:ph type="title" orient="vert"/>
+            <p:ph type="title"/>
           </p:nvPr>
         </p:nvSpPr>
-        <p:spPr/>
+        <p:spPr>
+          <a:xfrm>
+            <a:off x="1454922" y="618518"/>
+            <a:ext cx="9905998" cy="1478570"/>
+          </a:xfrm>
+        </p:spPr>
         <p:txBody>
           <a:bodyPr>
             <a:normAutofit/>
@@ -14215,68 +14308,75 @@
             <a:spLocks noGrp="1"/>
           </p:cNvSpPr>
           <p:nvPr>
-            <p:ph type="body" orient="vert" idx="1"/>
+            <p:ph idx="4294967295"/>
           </p:nvPr>
         </p:nvSpPr>
-        <p:spPr/>
+        <p:spPr>
+          <a:xfrm>
+            <a:off x="1332411" y="2249488"/>
+            <a:ext cx="9906000" cy="3541712"/>
+          </a:xfrm>
+        </p:spPr>
         <p:txBody>
-          <a:bodyPr/>
+          <a:bodyPr>
+            <a:normAutofit/>
+          </a:bodyPr>
           <a:lstStyle/>
           <a:p>
             <a:r>
-              <a:rPr lang="zh-TW" altLang="en-US" dirty="0">
+              <a:rPr lang="zh-TW" altLang="en-US" sz="3200" dirty="0">
                 <a:latin typeface="標楷體" panose="03000509000000000000" pitchFamily="65" charset="-120"/>
                 <a:ea typeface="標楷體" panose="03000509000000000000" pitchFamily="65" charset="-120"/>
               </a:rPr>
               <a:t>學習並熟練所需軟體與套件</a:t>
             </a:r>
-            <a:endParaRPr lang="en-US" altLang="zh-TW" dirty="0">
+            <a:endParaRPr lang="en-US" altLang="zh-TW" sz="3200" dirty="0">
               <a:latin typeface="標楷體" panose="03000509000000000000" pitchFamily="65" charset="-120"/>
               <a:ea typeface="標楷體" panose="03000509000000000000" pitchFamily="65" charset="-120"/>
             </a:endParaRPr>
           </a:p>
           <a:p>
             <a:r>
-              <a:rPr lang="zh-TW" altLang="en-US" dirty="0">
+              <a:rPr lang="zh-TW" altLang="en-US" sz="3200" dirty="0">
                 <a:latin typeface="標楷體" panose="03000509000000000000" pitchFamily="65" charset="-120"/>
                 <a:ea typeface="標楷體" panose="03000509000000000000" pitchFamily="65" charset="-120"/>
               </a:rPr>
               <a:t>學習並完成圖片二值化</a:t>
             </a:r>
-            <a:endParaRPr lang="en-US" altLang="zh-TW" dirty="0">
+            <a:endParaRPr lang="en-US" altLang="zh-TW" sz="3200" dirty="0">
               <a:latin typeface="標楷體" panose="03000509000000000000" pitchFamily="65" charset="-120"/>
               <a:ea typeface="標楷體" panose="03000509000000000000" pitchFamily="65" charset="-120"/>
             </a:endParaRPr>
           </a:p>
           <a:p>
             <a:r>
-              <a:rPr lang="zh-TW" altLang="en-US" dirty="0">
+              <a:rPr lang="zh-TW" altLang="en-US" sz="3200" dirty="0">
                 <a:latin typeface="標楷體" panose="03000509000000000000" pitchFamily="65" charset="-120"/>
                 <a:ea typeface="標楷體" panose="03000509000000000000" pitchFamily="65" charset="-120"/>
               </a:rPr>
               <a:t>從圖片中切割出車牌位子</a:t>
             </a:r>
-            <a:endParaRPr lang="en-US" altLang="zh-TW" dirty="0">
+            <a:endParaRPr lang="en-US" altLang="zh-TW" sz="3200" dirty="0">
               <a:latin typeface="標楷體" panose="03000509000000000000" pitchFamily="65" charset="-120"/>
               <a:ea typeface="標楷體" panose="03000509000000000000" pitchFamily="65" charset="-120"/>
             </a:endParaRPr>
           </a:p>
           <a:p>
             <a:r>
-              <a:rPr lang="zh-TW" altLang="en-US" dirty="0">
+              <a:rPr lang="zh-TW" altLang="en-US" sz="3200" dirty="0">
                 <a:latin typeface="標楷體" panose="03000509000000000000" pitchFamily="65" charset="-120"/>
                 <a:ea typeface="標楷體" panose="03000509000000000000" pitchFamily="65" charset="-120"/>
               </a:rPr>
               <a:t>購買所需物品</a:t>
             </a:r>
-            <a:endParaRPr lang="en-US" altLang="zh-TW" dirty="0">
+            <a:endParaRPr lang="en-US" altLang="zh-TW" sz="3200" dirty="0">
               <a:latin typeface="標楷體" panose="03000509000000000000" pitchFamily="65" charset="-120"/>
               <a:ea typeface="標楷體" panose="03000509000000000000" pitchFamily="65" charset="-120"/>
             </a:endParaRPr>
           </a:p>
           <a:p>
             <a:r>
-              <a:rPr lang="zh-TW" altLang="en-US" dirty="0">
+              <a:rPr lang="zh-TW" altLang="en-US" sz="3200" dirty="0">
                 <a:latin typeface="標楷體" panose="03000509000000000000" pitchFamily="65" charset="-120"/>
                 <a:ea typeface="標楷體" panose="03000509000000000000" pitchFamily="65" charset="-120"/>
               </a:rPr>
